--- a/input/content/data-product-101.pptx
+++ b/input/content/data-product-101.pptx
@@ -23,51 +23,56 @@
   <p:notesSz cx="6858000" cy="9144000"/>
   <p:embeddedFontLst>
     <p:embeddedFont>
-      <p:font typeface="Roboto"/>
+      <p:font typeface="Caveat"/>
       <p:regular r:id="rId17"/>
       <p:bold r:id="rId18"/>
-      <p:italic r:id="rId19"/>
-      <p:boldItalic r:id="rId20"/>
+    </p:embeddedFont>
+    <p:embeddedFont>
+      <p:font typeface="Roboto"/>
+      <p:regular r:id="rId19"/>
+      <p:bold r:id="rId20"/>
+      <p:italic r:id="rId21"/>
+      <p:boldItalic r:id="rId22"/>
     </p:embeddedFont>
     <p:embeddedFont>
       <p:font typeface="Source Code Pro"/>
-      <p:regular r:id="rId21"/>
-      <p:bold r:id="rId22"/>
-      <p:italic r:id="rId23"/>
-      <p:boldItalic r:id="rId24"/>
+      <p:regular r:id="rId23"/>
+      <p:bold r:id="rId24"/>
+      <p:italic r:id="rId25"/>
+      <p:boldItalic r:id="rId26"/>
     </p:embeddedFont>
     <p:embeddedFont>
       <p:font typeface="Caveat Medium"/>
-      <p:regular r:id="rId25"/>
-      <p:bold r:id="rId26"/>
+      <p:regular r:id="rId27"/>
+      <p:bold r:id="rId28"/>
     </p:embeddedFont>
     <p:embeddedFont>
       <p:font typeface="Helvetica Neue"/>
-      <p:regular r:id="rId27"/>
-      <p:bold r:id="rId28"/>
-      <p:italic r:id="rId29"/>
-      <p:boldItalic r:id="rId30"/>
+      <p:regular r:id="rId29"/>
+      <p:bold r:id="rId30"/>
+      <p:italic r:id="rId31"/>
+      <p:boldItalic r:id="rId32"/>
     </p:embeddedFont>
     <p:embeddedFont>
       <p:font typeface="Helvetica Neue Light"/>
-      <p:regular r:id="rId31"/>
-      <p:bold r:id="rId32"/>
-      <p:italic r:id="rId33"/>
-      <p:boldItalic r:id="rId34"/>
+      <p:regular r:id="rId33"/>
+      <p:bold r:id="rId34"/>
+      <p:italic r:id="rId35"/>
+      <p:boldItalic r:id="rId36"/>
     </p:embeddedFont>
     <p:embeddedFont>
       <p:font typeface="Source Code Pro Medium"/>
-      <p:regular r:id="rId35"/>
-      <p:bold r:id="rId36"/>
-      <p:italic r:id="rId37"/>
-      <p:boldItalic r:id="rId38"/>
+      <p:regular r:id="rId37"/>
+      <p:bold r:id="rId38"/>
+      <p:italic r:id="rId39"/>
+      <p:boldItalic r:id="rId40"/>
     </p:embeddedFont>
     <p:embeddedFont>
       <p:font typeface="Century Gothic"/>
-      <p:regular r:id="rId39"/>
-      <p:bold r:id="rId40"/>
-      <p:italic r:id="rId41"/>
-      <p:boldItalic r:id="rId42"/>
+      <p:regular r:id="rId41"/>
+      <p:bold r:id="rId42"/>
+      <p:italic r:id="rId43"/>
+      <p:boldItalic r:id="rId44"/>
     </p:embeddedFont>
   </p:embeddedFontLst>
   <p:defaultTextStyle>
@@ -26678,7 +26683,7 @@
         <p:spPr>
           <a:xfrm>
             <a:off x="766900" y="4671175"/>
-            <a:ext cx="1007400" cy="338700"/>
+            <a:ext cx="1127400" cy="338700"/>
           </a:xfrm>
           <a:prstGeom prst="rect">
             <a:avLst/>
@@ -26704,6 +26709,18 @@
               <a:buNone/>
             </a:pPr>
             <a:r>
+              <a:rPr b="1" i="1" lang="en" sz="1000">
+                <a:solidFill>
+                  <a:srgbClr val="E69138"/>
+                </a:solidFill>
+                <a:latin typeface="Caveat"/>
+                <a:ea typeface="Caveat"/>
+                <a:cs typeface="Caveat"/>
+                <a:sym typeface="Caveat"/>
+              </a:rPr>
+              <a:t>Data</a:t>
+            </a:r>
+            <a:r>
               <a:rPr i="1" lang="en" sz="1000">
                 <a:solidFill>
                   <a:srgbClr val="1155CC"/>
@@ -26713,16 +26730,28 @@
                 <a:cs typeface="Caveat Medium"/>
                 <a:sym typeface="Caveat Medium"/>
               </a:rPr>
-              <a:t>Dataknobs</a:t>
+              <a:t>k</a:t>
             </a:r>
-            <a:endParaRPr i="1" sz="1000">
+            <a:r>
+              <a:rPr b="1" i="1" lang="en" sz="1000">
+                <a:solidFill>
+                  <a:srgbClr val="1155CC"/>
+                </a:solidFill>
+                <a:latin typeface="Caveat"/>
+                <a:ea typeface="Caveat"/>
+                <a:cs typeface="Caveat"/>
+                <a:sym typeface="Caveat"/>
+              </a:rPr>
+              <a:t>nobs</a:t>
+            </a:r>
+            <a:endParaRPr b="1" i="1" sz="1000">
               <a:solidFill>
                 <a:srgbClr val="1155CC"/>
               </a:solidFill>
-              <a:latin typeface="Caveat Medium"/>
-              <a:ea typeface="Caveat Medium"/>
-              <a:cs typeface="Caveat Medium"/>
-              <a:sym typeface="Caveat Medium"/>
+              <a:latin typeface="Caveat"/>
+              <a:ea typeface="Caveat"/>
+              <a:cs typeface="Caveat"/>
+              <a:sym typeface="Caveat"/>
             </a:endParaRPr>
           </a:p>
         </p:txBody>
@@ -37057,7 +37086,7 @@
             <a:tbl>
               <a:tblPr>
                 <a:noFill/>
-                <a:tableStyleId>{8244A6E3-49A6-4384-B5C3-9D5358430C70}</a:tableStyleId>
+                <a:tableStyleId>{C8F07DEE-FB47-4B8F-B1C9-0172F7CA8799}</a:tableStyleId>
               </a:tblPr>
               <a:tblGrid>
                 <a:gridCol w="3619500"/>
@@ -37231,7 +37260,7 @@
             <a:tbl>
               <a:tblPr>
                 <a:noFill/>
-                <a:tableStyleId>{8244A6E3-49A6-4384-B5C3-9D5358430C70}</a:tableStyleId>
+                <a:tableStyleId>{C8F07DEE-FB47-4B8F-B1C9-0172F7CA8799}</a:tableStyleId>
               </a:tblPr>
               <a:tblGrid>
                 <a:gridCol w="3619500"/>
@@ -37330,7 +37359,7 @@
             <a:tbl>
               <a:tblPr>
                 <a:noFill/>
-                <a:tableStyleId>{8244A6E3-49A6-4384-B5C3-9D5358430C70}</a:tableStyleId>
+                <a:tableStyleId>{C8F07DEE-FB47-4B8F-B1C9-0172F7CA8799}</a:tableStyleId>
               </a:tblPr>
               <a:tblGrid>
                 <a:gridCol w="3619500"/>
@@ -37398,9 +37427,9 @@
 </file>
 
 <file path=ppt/theme/theme1.xml><?xml version="1.0" encoding="utf-8"?>
-<a:theme xmlns:a="http://schemas.openxmlformats.org/drawingml/2006/main" xmlns:r="http://schemas.openxmlformats.org/officeDocument/2006/relationships" name="Office Theme">
+<a:theme xmlns:a="http://schemas.openxmlformats.org/drawingml/2006/main" xmlns:r="http://schemas.openxmlformats.org/officeDocument/2006/relationships" name="Simple Light">
   <a:themeElements>
-    <a:clrScheme name="Custom 74">
+    <a:clrScheme name="Simple Light">
       <a:dk1>
         <a:srgbClr val="000000"/>
       </a:dk1>
@@ -37408,34 +37437,34 @@
         <a:srgbClr val="FFFFFF"/>
       </a:lt1>
       <a:dk2>
-        <a:srgbClr val="053742"/>
+        <a:srgbClr val="595959"/>
       </a:dk2>
       <a:lt2>
-        <a:srgbClr val="127FF6"/>
+        <a:srgbClr val="EEEEEE"/>
       </a:lt2>
       <a:accent1>
-        <a:srgbClr val="39A2DB"/>
+        <a:srgbClr val="4285F4"/>
       </a:accent1>
       <a:accent2>
-        <a:srgbClr val="8FC1E1"/>
+        <a:srgbClr val="212121"/>
       </a:accent2>
       <a:accent3>
-        <a:srgbClr val="A2DBFA"/>
+        <a:srgbClr val="78909C"/>
       </a:accent3>
       <a:accent4>
-        <a:srgbClr val="E8F0F2"/>
+        <a:srgbClr val="FFAB40"/>
       </a:accent4>
       <a:accent5>
-        <a:srgbClr val="053742"/>
+        <a:srgbClr val="0097A7"/>
       </a:accent5>
       <a:accent6>
-        <a:srgbClr val="3E64FF"/>
+        <a:srgbClr val="EEFF41"/>
       </a:accent6>
       <a:hlink>
-        <a:srgbClr val="0563C1"/>
+        <a:srgbClr val="0097A7"/>
       </a:hlink>
       <a:folHlink>
-        <a:srgbClr val="954F72"/>
+        <a:srgbClr val="0097A7"/>
       </a:folHlink>
     </a:clrScheme>
     <a:fontScheme name="Office">
@@ -37677,9 +37706,9 @@
 </file>
 
 <file path=ppt/theme/theme2.xml><?xml version="1.0" encoding="utf-8"?>
-<a:theme xmlns:a="http://schemas.openxmlformats.org/drawingml/2006/main" xmlns:r="http://schemas.openxmlformats.org/officeDocument/2006/relationships" name="Simple Light">
+<a:theme xmlns:a="http://schemas.openxmlformats.org/drawingml/2006/main" xmlns:r="http://schemas.openxmlformats.org/officeDocument/2006/relationships">
   <a:themeElements>
-    <a:clrScheme name="Simple Light">
+    <a:clrScheme name="Default">
       <a:dk1>
         <a:srgbClr val="000000"/>
       </a:dk1>
@@ -37687,34 +37716,34 @@
         <a:srgbClr val="FFFFFF"/>
       </a:lt1>
       <a:dk2>
-        <a:srgbClr val="595959"/>
+        <a:srgbClr val="158158"/>
       </a:dk2>
       <a:lt2>
-        <a:srgbClr val="EEEEEE"/>
+        <a:srgbClr val="F3F3F3"/>
       </a:lt2>
       <a:accent1>
-        <a:srgbClr val="4285F4"/>
+        <a:srgbClr val="058DC7"/>
       </a:accent1>
       <a:accent2>
-        <a:srgbClr val="212121"/>
+        <a:srgbClr val="50B432"/>
       </a:accent2>
       <a:accent3>
-        <a:srgbClr val="78909C"/>
+        <a:srgbClr val="ED561B"/>
       </a:accent3>
       <a:accent4>
-        <a:srgbClr val="FFAB40"/>
+        <a:srgbClr val="EDEF00"/>
       </a:accent4>
       <a:accent5>
-        <a:srgbClr val="0097A7"/>
+        <a:srgbClr val="24CBE5"/>
       </a:accent5>
       <a:accent6>
-        <a:srgbClr val="EEFF41"/>
+        <a:srgbClr val="64E572"/>
       </a:accent6>
       <a:hlink>
-        <a:srgbClr val="0097A7"/>
+        <a:srgbClr val="2200CC"/>
       </a:hlink>
       <a:folHlink>
-        <a:srgbClr val="0097A7"/>
+        <a:srgbClr val="551A8B"/>
       </a:folHlink>
     </a:clrScheme>
     <a:fontScheme name="Office">
@@ -38235,9 +38264,9 @@
 </file>
 
 <file path=ppt/theme/theme4.xml><?xml version="1.0" encoding="utf-8"?>
-<a:theme xmlns:a="http://schemas.openxmlformats.org/drawingml/2006/main" xmlns:r="http://schemas.openxmlformats.org/officeDocument/2006/relationships">
+<a:theme xmlns:a="http://schemas.openxmlformats.org/drawingml/2006/main" xmlns:r="http://schemas.openxmlformats.org/officeDocument/2006/relationships" name="Office Theme">
   <a:themeElements>
-    <a:clrScheme name="Default">
+    <a:clrScheme name="Custom 74">
       <a:dk1>
         <a:srgbClr val="000000"/>
       </a:dk1>
@@ -38245,34 +38274,34 @@
         <a:srgbClr val="FFFFFF"/>
       </a:lt1>
       <a:dk2>
-        <a:srgbClr val="158158"/>
+        <a:srgbClr val="053742"/>
       </a:dk2>
       <a:lt2>
-        <a:srgbClr val="F3F3F3"/>
+        <a:srgbClr val="127FF6"/>
       </a:lt2>
       <a:accent1>
-        <a:srgbClr val="058DC7"/>
+        <a:srgbClr val="39A2DB"/>
       </a:accent1>
       <a:accent2>
-        <a:srgbClr val="50B432"/>
+        <a:srgbClr val="8FC1E1"/>
       </a:accent2>
       <a:accent3>
-        <a:srgbClr val="ED561B"/>
+        <a:srgbClr val="A2DBFA"/>
       </a:accent3>
       <a:accent4>
-        <a:srgbClr val="EDEF00"/>
+        <a:srgbClr val="E8F0F2"/>
       </a:accent4>
       <a:accent5>
-        <a:srgbClr val="24CBE5"/>
+        <a:srgbClr val="053742"/>
       </a:accent5>
       <a:accent6>
-        <a:srgbClr val="64E572"/>
+        <a:srgbClr val="3E64FF"/>
       </a:accent6>
       <a:hlink>
-        <a:srgbClr val="2200CC"/>
+        <a:srgbClr val="0563C1"/>
       </a:hlink>
       <a:folHlink>
-        <a:srgbClr val="551A8B"/>
+        <a:srgbClr val="954F72"/>
       </a:folHlink>
     </a:clrScheme>
     <a:fontScheme name="Office">
